--- a/Мой диплом/ВКР-набор-документов/Презентация-Забавин v01.pptx
+++ b/Мой диплом/ВКР-набор-документов/Презентация-Забавин v01.pptx
@@ -716,7 +716,7 @@
           <a:p>
             <a:fld id="{2328CB8F-DE4F-4F3C-8976-33B572ECD287}" type="datetimeFigureOut">
               <a:rPr lang="ru-RU" smtClean="0"/>
-              <a:t>18.06.2025</a:t>
+              <a:t>19.06.2025</a:t>
             </a:fld>
             <a:endParaRPr lang="ru-RU"/>
           </a:p>
@@ -922,7 +922,7 @@
           <a:p>
             <a:fld id="{2328CB8F-DE4F-4F3C-8976-33B572ECD287}" type="datetimeFigureOut">
               <a:rPr lang="ru-RU" smtClean="0"/>
-              <a:t>18.06.2025</a:t>
+              <a:t>19.06.2025</a:t>
             </a:fld>
             <a:endParaRPr lang="ru-RU"/>
           </a:p>
@@ -1138,7 +1138,7 @@
           <a:p>
             <a:fld id="{2328CB8F-DE4F-4F3C-8976-33B572ECD287}" type="datetimeFigureOut">
               <a:rPr lang="ru-RU" smtClean="0"/>
-              <a:t>18.06.2025</a:t>
+              <a:t>19.06.2025</a:t>
             </a:fld>
             <a:endParaRPr lang="ru-RU"/>
           </a:p>
@@ -1366,7 +1366,7 @@
           <a:p>
             <a:fld id="{1A2EB200-99CB-494E-AA97-71D265777847}" type="datetimeFigureOut">
               <a:rPr lang="ru-RU" smtClean="0"/>
-              <a:t>18.06.2025</a:t>
+              <a:t>19.06.2025</a:t>
             </a:fld>
             <a:endParaRPr lang="ru-RU"/>
           </a:p>
@@ -1564,7 +1564,7 @@
           <a:p>
             <a:fld id="{1A2EB200-99CB-494E-AA97-71D265777847}" type="datetimeFigureOut">
               <a:rPr lang="ru-RU" smtClean="0"/>
-              <a:t>18.06.2025</a:t>
+              <a:t>19.06.2025</a:t>
             </a:fld>
             <a:endParaRPr lang="ru-RU"/>
           </a:p>
@@ -1839,7 +1839,7 @@
           <a:p>
             <a:fld id="{1A2EB200-99CB-494E-AA97-71D265777847}" type="datetimeFigureOut">
               <a:rPr lang="ru-RU" smtClean="0"/>
-              <a:t>18.06.2025</a:t>
+              <a:t>19.06.2025</a:t>
             </a:fld>
             <a:endParaRPr lang="ru-RU"/>
           </a:p>
@@ -2104,7 +2104,7 @@
           <a:p>
             <a:fld id="{1A2EB200-99CB-494E-AA97-71D265777847}" type="datetimeFigureOut">
               <a:rPr lang="ru-RU" smtClean="0"/>
-              <a:t>18.06.2025</a:t>
+              <a:t>19.06.2025</a:t>
             </a:fld>
             <a:endParaRPr lang="ru-RU"/>
           </a:p>
@@ -2516,7 +2516,7 @@
           <a:p>
             <a:fld id="{1A2EB200-99CB-494E-AA97-71D265777847}" type="datetimeFigureOut">
               <a:rPr lang="ru-RU" smtClean="0"/>
-              <a:t>18.06.2025</a:t>
+              <a:t>19.06.2025</a:t>
             </a:fld>
             <a:endParaRPr lang="ru-RU"/>
           </a:p>
@@ -2657,7 +2657,7 @@
           <a:p>
             <a:fld id="{1A2EB200-99CB-494E-AA97-71D265777847}" type="datetimeFigureOut">
               <a:rPr lang="ru-RU" smtClean="0"/>
-              <a:t>18.06.2025</a:t>
+              <a:t>19.06.2025</a:t>
             </a:fld>
             <a:endParaRPr lang="ru-RU"/>
           </a:p>
@@ -2770,7 +2770,7 @@
           <a:p>
             <a:fld id="{1A2EB200-99CB-494E-AA97-71D265777847}" type="datetimeFigureOut">
               <a:rPr lang="ru-RU" smtClean="0"/>
-              <a:t>18.06.2025</a:t>
+              <a:t>19.06.2025</a:t>
             </a:fld>
             <a:endParaRPr lang="ru-RU"/>
           </a:p>
@@ -3395,7 +3395,7 @@
           <a:p>
             <a:fld id="{1A2EB200-99CB-494E-AA97-71D265777847}" type="datetimeFigureOut">
               <a:rPr lang="ru-RU" smtClean="0"/>
-              <a:t>18.06.2025</a:t>
+              <a:t>19.06.2025</a:t>
             </a:fld>
             <a:endParaRPr lang="ru-RU"/>
           </a:p>
@@ -3683,7 +3683,7 @@
           <a:p>
             <a:fld id="{1A2EB200-99CB-494E-AA97-71D265777847}" type="datetimeFigureOut">
               <a:rPr lang="ru-RU" smtClean="0"/>
-              <a:t>18.06.2025</a:t>
+              <a:t>19.06.2025</a:t>
             </a:fld>
             <a:endParaRPr lang="ru-RU"/>
           </a:p>
@@ -3881,7 +3881,7 @@
           <a:p>
             <a:fld id="{1A2EB200-99CB-494E-AA97-71D265777847}" type="datetimeFigureOut">
               <a:rPr lang="ru-RU" smtClean="0"/>
-              <a:t>18.06.2025</a:t>
+              <a:t>19.06.2025</a:t>
             </a:fld>
             <a:endParaRPr lang="ru-RU"/>
           </a:p>
@@ -4089,7 +4089,7 @@
           <a:p>
             <a:fld id="{1A2EB200-99CB-494E-AA97-71D265777847}" type="datetimeFigureOut">
               <a:rPr lang="ru-RU" smtClean="0"/>
-              <a:t>18.06.2025</a:t>
+              <a:t>19.06.2025</a:t>
             </a:fld>
             <a:endParaRPr lang="ru-RU"/>
           </a:p>
@@ -4309,7 +4309,7 @@
           <a:p>
             <a:fld id="{FFF93996-A361-4D22-8042-B9CD43F2B0B7}" type="datetimeFigureOut">
               <a:rPr lang="ru-RU" smtClean="0"/>
-              <a:t>18.06.2025</a:t>
+              <a:t>19.06.2025</a:t>
             </a:fld>
             <a:endParaRPr lang="ru-RU"/>
           </a:p>
@@ -4507,7 +4507,7 @@
           <a:p>
             <a:fld id="{FFF93996-A361-4D22-8042-B9CD43F2B0B7}" type="datetimeFigureOut">
               <a:rPr lang="ru-RU" smtClean="0"/>
-              <a:t>18.06.2025</a:t>
+              <a:t>19.06.2025</a:t>
             </a:fld>
             <a:endParaRPr lang="ru-RU"/>
           </a:p>
@@ -4782,7 +4782,7 @@
           <a:p>
             <a:fld id="{FFF93996-A361-4D22-8042-B9CD43F2B0B7}" type="datetimeFigureOut">
               <a:rPr lang="ru-RU" smtClean="0"/>
-              <a:t>18.06.2025</a:t>
+              <a:t>19.06.2025</a:t>
             </a:fld>
             <a:endParaRPr lang="ru-RU"/>
           </a:p>
@@ -5047,7 +5047,7 @@
           <a:p>
             <a:fld id="{FFF93996-A361-4D22-8042-B9CD43F2B0B7}" type="datetimeFigureOut">
               <a:rPr lang="ru-RU" smtClean="0"/>
-              <a:t>18.06.2025</a:t>
+              <a:t>19.06.2025</a:t>
             </a:fld>
             <a:endParaRPr lang="ru-RU"/>
           </a:p>
@@ -5459,7 +5459,7 @@
           <a:p>
             <a:fld id="{FFF93996-A361-4D22-8042-B9CD43F2B0B7}" type="datetimeFigureOut">
               <a:rPr lang="ru-RU" smtClean="0"/>
-              <a:t>18.06.2025</a:t>
+              <a:t>19.06.2025</a:t>
             </a:fld>
             <a:endParaRPr lang="ru-RU"/>
           </a:p>
@@ -5600,7 +5600,7 @@
           <a:p>
             <a:fld id="{FFF93996-A361-4D22-8042-B9CD43F2B0B7}" type="datetimeFigureOut">
               <a:rPr lang="ru-RU" smtClean="0"/>
-              <a:t>18.06.2025</a:t>
+              <a:t>19.06.2025</a:t>
             </a:fld>
             <a:endParaRPr lang="ru-RU"/>
           </a:p>
@@ -5966,7 +5966,7 @@
           <a:p>
             <a:fld id="{FFF93996-A361-4D22-8042-B9CD43F2B0B7}" type="datetimeFigureOut">
               <a:rPr lang="ru-RU" smtClean="0"/>
-              <a:t>18.06.2025</a:t>
+              <a:t>19.06.2025</a:t>
             </a:fld>
             <a:endParaRPr lang="ru-RU"/>
           </a:p>
@@ -6277,7 +6277,7 @@
           <a:p>
             <a:fld id="{FFF93996-A361-4D22-8042-B9CD43F2B0B7}" type="datetimeFigureOut">
               <a:rPr lang="ru-RU" smtClean="0"/>
-              <a:t>18.06.2025</a:t>
+              <a:t>19.06.2025</a:t>
             </a:fld>
             <a:endParaRPr lang="ru-RU"/>
           </a:p>
@@ -6565,7 +6565,7 @@
           <a:p>
             <a:fld id="{FFF93996-A361-4D22-8042-B9CD43F2B0B7}" type="datetimeFigureOut">
               <a:rPr lang="ru-RU" smtClean="0"/>
-              <a:t>18.06.2025</a:t>
+              <a:t>19.06.2025</a:t>
             </a:fld>
             <a:endParaRPr lang="ru-RU"/>
           </a:p>
@@ -6763,7 +6763,7 @@
           <a:p>
             <a:fld id="{FFF93996-A361-4D22-8042-B9CD43F2B0B7}" type="datetimeFigureOut">
               <a:rPr lang="ru-RU" smtClean="0"/>
-              <a:t>18.06.2025</a:t>
+              <a:t>19.06.2025</a:t>
             </a:fld>
             <a:endParaRPr lang="ru-RU"/>
           </a:p>
@@ -6971,7 +6971,7 @@
           <a:p>
             <a:fld id="{FFF93996-A361-4D22-8042-B9CD43F2B0B7}" type="datetimeFigureOut">
               <a:rPr lang="ru-RU" smtClean="0"/>
-              <a:t>18.06.2025</a:t>
+              <a:t>19.06.2025</a:t>
             </a:fld>
             <a:endParaRPr lang="ru-RU"/>
           </a:p>
@@ -7191,7 +7191,7 @@
           <a:p>
             <a:fld id="{A4B49F3C-D528-46C9-86B1-6BA0C1997F27}" type="datetimeFigureOut">
               <a:rPr lang="ru-RU" smtClean="0"/>
-              <a:t>18.06.2025</a:t>
+              <a:t>19.06.2025</a:t>
             </a:fld>
             <a:endParaRPr lang="ru-RU"/>
           </a:p>
@@ -7389,7 +7389,7 @@
           <a:p>
             <a:fld id="{A4B49F3C-D528-46C9-86B1-6BA0C1997F27}" type="datetimeFigureOut">
               <a:rPr lang="ru-RU" smtClean="0"/>
-              <a:t>18.06.2025</a:t>
+              <a:t>19.06.2025</a:t>
             </a:fld>
             <a:endParaRPr lang="ru-RU"/>
           </a:p>
@@ -7664,7 +7664,7 @@
           <a:p>
             <a:fld id="{A4B49F3C-D528-46C9-86B1-6BA0C1997F27}" type="datetimeFigureOut">
               <a:rPr lang="ru-RU" smtClean="0"/>
-              <a:t>18.06.2025</a:t>
+              <a:t>19.06.2025</a:t>
             </a:fld>
             <a:endParaRPr lang="ru-RU"/>
           </a:p>
@@ -7929,7 +7929,7 @@
           <a:p>
             <a:fld id="{A4B49F3C-D528-46C9-86B1-6BA0C1997F27}" type="datetimeFigureOut">
               <a:rPr lang="ru-RU" smtClean="0"/>
-              <a:t>18.06.2025</a:t>
+              <a:t>19.06.2025</a:t>
             </a:fld>
             <a:endParaRPr lang="ru-RU"/>
           </a:p>
@@ -8341,7 +8341,7 @@
           <a:p>
             <a:fld id="{A4B49F3C-D528-46C9-86B1-6BA0C1997F27}" type="datetimeFigureOut">
               <a:rPr lang="ru-RU" smtClean="0"/>
-              <a:t>18.06.2025</a:t>
+              <a:t>19.06.2025</a:t>
             </a:fld>
             <a:endParaRPr lang="ru-RU"/>
           </a:p>
@@ -8732,7 +8732,7 @@
           <a:p>
             <a:fld id="{A4B49F3C-D528-46C9-86B1-6BA0C1997F27}" type="datetimeFigureOut">
               <a:rPr lang="ru-RU" smtClean="0"/>
-              <a:t>18.06.2025</a:t>
+              <a:t>19.06.2025</a:t>
             </a:fld>
             <a:endParaRPr lang="ru-RU"/>
           </a:p>
@@ -8845,7 +8845,7 @@
           <a:p>
             <a:fld id="{A4B49F3C-D528-46C9-86B1-6BA0C1997F27}" type="datetimeFigureOut">
               <a:rPr lang="ru-RU" smtClean="0"/>
-              <a:t>18.06.2025</a:t>
+              <a:t>19.06.2025</a:t>
             </a:fld>
             <a:endParaRPr lang="ru-RU"/>
           </a:p>
@@ -9156,7 +9156,7 @@
           <a:p>
             <a:fld id="{A4B49F3C-D528-46C9-86B1-6BA0C1997F27}" type="datetimeFigureOut">
               <a:rPr lang="ru-RU" smtClean="0"/>
-              <a:t>18.06.2025</a:t>
+              <a:t>19.06.2025</a:t>
             </a:fld>
             <a:endParaRPr lang="ru-RU"/>
           </a:p>
@@ -9444,7 +9444,7 @@
           <a:p>
             <a:fld id="{A4B49F3C-D528-46C9-86B1-6BA0C1997F27}" type="datetimeFigureOut">
               <a:rPr lang="ru-RU" smtClean="0"/>
-              <a:t>18.06.2025</a:t>
+              <a:t>19.06.2025</a:t>
             </a:fld>
             <a:endParaRPr lang="ru-RU"/>
           </a:p>
@@ -9642,7 +9642,7 @@
           <a:p>
             <a:fld id="{A4B49F3C-D528-46C9-86B1-6BA0C1997F27}" type="datetimeFigureOut">
               <a:rPr lang="ru-RU" smtClean="0"/>
-              <a:t>18.06.2025</a:t>
+              <a:t>19.06.2025</a:t>
             </a:fld>
             <a:endParaRPr lang="ru-RU"/>
           </a:p>
@@ -9850,7 +9850,7 @@
           <a:p>
             <a:fld id="{A4B49F3C-D528-46C9-86B1-6BA0C1997F27}" type="datetimeFigureOut">
               <a:rPr lang="ru-RU" smtClean="0"/>
-              <a:t>18.06.2025</a:t>
+              <a:t>19.06.2025</a:t>
             </a:fld>
             <a:endParaRPr lang="ru-RU"/>
           </a:p>
@@ -10070,7 +10070,7 @@
           <a:p>
             <a:fld id="{F5D97488-C818-4ADA-8271-C86ECD1E7F36}" type="datetimeFigureOut">
               <a:rPr lang="ru-RU" smtClean="0"/>
-              <a:t>18.06.2025</a:t>
+              <a:t>19.06.2025</a:t>
             </a:fld>
             <a:endParaRPr lang="ru-RU"/>
           </a:p>
@@ -10268,7 +10268,7 @@
           <a:p>
             <a:fld id="{F5D97488-C818-4ADA-8271-C86ECD1E7F36}" type="datetimeFigureOut">
               <a:rPr lang="ru-RU" smtClean="0"/>
-              <a:t>18.06.2025</a:t>
+              <a:t>19.06.2025</a:t>
             </a:fld>
             <a:endParaRPr lang="ru-RU"/>
           </a:p>
@@ -10543,7 +10543,7 @@
           <a:p>
             <a:fld id="{F5D97488-C818-4ADA-8271-C86ECD1E7F36}" type="datetimeFigureOut">
               <a:rPr lang="ru-RU" smtClean="0"/>
-              <a:t>18.06.2025</a:t>
+              <a:t>19.06.2025</a:t>
             </a:fld>
             <a:endParaRPr lang="ru-RU"/>
           </a:p>
@@ -10808,7 +10808,7 @@
           <a:p>
             <a:fld id="{F5D97488-C818-4ADA-8271-C86ECD1E7F36}" type="datetimeFigureOut">
               <a:rPr lang="ru-RU" smtClean="0"/>
-              <a:t>18.06.2025</a:t>
+              <a:t>19.06.2025</a:t>
             </a:fld>
             <a:endParaRPr lang="ru-RU"/>
           </a:p>
@@ -11560,7 +11560,7 @@
           <a:p>
             <a:fld id="{F5D97488-C818-4ADA-8271-C86ECD1E7F36}" type="datetimeFigureOut">
               <a:rPr lang="ru-RU" smtClean="0"/>
-              <a:t>18.06.2025</a:t>
+              <a:t>19.06.2025</a:t>
             </a:fld>
             <a:endParaRPr lang="ru-RU"/>
           </a:p>
@@ -11701,7 +11701,7 @@
           <a:p>
             <a:fld id="{F5D97488-C818-4ADA-8271-C86ECD1E7F36}" type="datetimeFigureOut">
               <a:rPr lang="ru-RU" smtClean="0"/>
-              <a:t>18.06.2025</a:t>
+              <a:t>19.06.2025</a:t>
             </a:fld>
             <a:endParaRPr lang="ru-RU"/>
           </a:p>
@@ -11814,7 +11814,7 @@
           <a:p>
             <a:fld id="{F5D97488-C818-4ADA-8271-C86ECD1E7F36}" type="datetimeFigureOut">
               <a:rPr lang="ru-RU" smtClean="0"/>
-              <a:t>18.06.2025</a:t>
+              <a:t>19.06.2025</a:t>
             </a:fld>
             <a:endParaRPr lang="ru-RU"/>
           </a:p>
@@ -12125,7 +12125,7 @@
           <a:p>
             <a:fld id="{F5D97488-C818-4ADA-8271-C86ECD1E7F36}" type="datetimeFigureOut">
               <a:rPr lang="ru-RU" smtClean="0"/>
-              <a:t>18.06.2025</a:t>
+              <a:t>19.06.2025</a:t>
             </a:fld>
             <a:endParaRPr lang="ru-RU"/>
           </a:p>
@@ -12413,7 +12413,7 @@
           <a:p>
             <a:fld id="{F5D97488-C818-4ADA-8271-C86ECD1E7F36}" type="datetimeFigureOut">
               <a:rPr lang="ru-RU" smtClean="0"/>
-              <a:t>18.06.2025</a:t>
+              <a:t>19.06.2025</a:t>
             </a:fld>
             <a:endParaRPr lang="ru-RU"/>
           </a:p>
@@ -12611,7 +12611,7 @@
           <a:p>
             <a:fld id="{F5D97488-C818-4ADA-8271-C86ECD1E7F36}" type="datetimeFigureOut">
               <a:rPr lang="ru-RU" smtClean="0"/>
-              <a:t>18.06.2025</a:t>
+              <a:t>19.06.2025</a:t>
             </a:fld>
             <a:endParaRPr lang="ru-RU"/>
           </a:p>
@@ -12819,7 +12819,7 @@
           <a:p>
             <a:fld id="{F5D97488-C818-4ADA-8271-C86ECD1E7F36}" type="datetimeFigureOut">
               <a:rPr lang="ru-RU" smtClean="0"/>
-              <a:t>18.06.2025</a:t>
+              <a:t>19.06.2025</a:t>
             </a:fld>
             <a:endParaRPr lang="ru-RU"/>
           </a:p>
@@ -13805,7 +13805,7 @@
           <a:p>
             <a:fld id="{2328CB8F-DE4F-4F3C-8976-33B572ECD287}" type="datetimeFigureOut">
               <a:rPr lang="ru-RU" smtClean="0"/>
-              <a:t>18.06.2025</a:t>
+              <a:t>19.06.2025</a:t>
             </a:fld>
             <a:endParaRPr lang="ru-RU"/>
           </a:p>
@@ -14054,7 +14054,7 @@
           <a:p>
             <a:fld id="{2328CB8F-DE4F-4F3C-8976-33B572ECD287}" type="datetimeFigureOut">
               <a:rPr lang="ru-RU" smtClean="0"/>
-              <a:t>18.06.2025</a:t>
+              <a:t>19.06.2025</a:t>
             </a:fld>
             <a:endParaRPr lang="ru-RU"/>
           </a:p>
@@ -14672,7 +14672,7 @@
           <a:p>
             <a:fld id="{1A2EB200-99CB-494E-AA97-71D265777847}" type="datetimeFigureOut">
               <a:rPr lang="ru-RU" smtClean="0"/>
-              <a:t>18.06.2025</a:t>
+              <a:t>19.06.2025</a:t>
             </a:fld>
             <a:endParaRPr lang="ru-RU"/>
           </a:p>
@@ -15240,7 +15240,7 @@
           <a:p>
             <a:fld id="{FFF93996-A361-4D22-8042-B9CD43F2B0B7}" type="datetimeFigureOut">
               <a:rPr lang="ru-RU" smtClean="0"/>
-              <a:t>18.06.2025</a:t>
+              <a:t>19.06.2025</a:t>
             </a:fld>
             <a:endParaRPr lang="ru-RU"/>
           </a:p>
@@ -15844,7 +15844,7 @@
           <a:p>
             <a:fld id="{A4B49F3C-D528-46C9-86B1-6BA0C1997F27}" type="datetimeFigureOut">
               <a:rPr lang="ru-RU" smtClean="0"/>
-              <a:t>18.06.2025</a:t>
+              <a:t>19.06.2025</a:t>
             </a:fld>
             <a:endParaRPr lang="ru-RU"/>
           </a:p>
@@ -16500,7 +16500,7 @@
           <a:p>
             <a:fld id="{F5D97488-C818-4ADA-8271-C86ECD1E7F36}" type="datetimeFigureOut">
               <a:rPr lang="ru-RU" smtClean="0"/>
-              <a:t>18.06.2025</a:t>
+              <a:t>19.06.2025</a:t>
             </a:fld>
             <a:endParaRPr lang="ru-RU"/>
           </a:p>
@@ -17152,11 +17152,6 @@
               </a:rPr>
               <a:t>Создание системы «База Знаний ТОГУ» с полнотекстовым поиском на основе лексем естественного языка</a:t>
             </a:r>
-            <a:endParaRPr lang="ru-RU" sz="2000" dirty="0">
-              <a:solidFill>
-                <a:schemeClr val="bg1"/>
-              </a:solidFill>
-            </a:endParaRPr>
           </a:p>
         </p:txBody>
       </p:sp>
@@ -18383,24 +18378,33 @@
       </p:sp>
       <p:pic>
         <p:nvPicPr>
-          <p:cNvPr id="3" name="Изображение6"/>
+          <p:cNvPr id="4" name="Рисунок 3" descr="M:\home\git\magistry2022\study.mag_diploma\Мой диплом\diplom2-1.bmp"/>
           <p:cNvPicPr/>
           <p:nvPr/>
         </p:nvPicPr>
         <p:blipFill>
-          <a:blip r:embed="rId2"/>
-          <a:stretch/>
+          <a:blip r:embed="rId2">
+            <a:extLst>
+              <a:ext uri="{28A0092B-C50C-407E-A947-70E740481C1C}">
+                <a14:useLocalDpi xmlns:a14="http://schemas.microsoft.com/office/drawing/2010/main" val="0"/>
+              </a:ext>
+            </a:extLst>
+          </a:blip>
+          <a:srcRect/>
+          <a:stretch>
+            <a:fillRect/>
+          </a:stretch>
         </p:blipFill>
-        <p:spPr>
+        <p:spPr bwMode="auto">
           <a:xfrm>
-            <a:off x="1836045" y="840615"/>
-            <a:ext cx="8034480" cy="5666040"/>
+            <a:off x="1555114" y="825500"/>
+            <a:ext cx="7607935" cy="5850488"/>
           </a:xfrm>
           <a:prstGeom prst="rect">
             <a:avLst/>
           </a:prstGeom>
           <a:noFill/>
-          <a:ln w="0">
+          <a:ln>
             <a:noFill/>
           </a:ln>
         </p:spPr>
@@ -18550,26 +18554,38 @@
       </p:sp>
       <p:pic>
         <p:nvPicPr>
-          <p:cNvPr id="4" name="Изображение8"/>
+          <p:cNvPr id="5" name="Рисунок 4" descr="M:\home\git\magistry2022\study.mag_diploma\Мой диплом\diplom2-2.bmp"/>
           <p:cNvPicPr/>
           <p:nvPr/>
         </p:nvPicPr>
-        <p:blipFill>
-          <a:blip r:embed="rId2"/>
+        <p:blipFill rotWithShape="1">
+          <a:blip r:embed="rId2">
+            <a:extLst>
+              <a:ext uri="{28A0092B-C50C-407E-A947-70E740481C1C}">
+                <a14:useLocalDpi xmlns:a14="http://schemas.microsoft.com/office/drawing/2010/main" val="0"/>
+              </a:ext>
+            </a:extLst>
+          </a:blip>
+          <a:srcRect l="343" r="1232"/>
           <a:stretch/>
         </p:blipFill>
-        <p:spPr>
+        <p:spPr bwMode="auto">
           <a:xfrm>
-            <a:off x="2119289" y="553176"/>
-            <a:ext cx="7681936" cy="6296423"/>
+            <a:off x="1851659" y="627380"/>
+            <a:ext cx="7778115" cy="6067512"/>
           </a:xfrm>
           <a:prstGeom prst="rect">
             <a:avLst/>
           </a:prstGeom>
           <a:noFill/>
-          <a:ln w="0">
+          <a:ln>
             <a:noFill/>
           </a:ln>
+          <a:extLst>
+            <a:ext uri="{53640926-AAD7-44D8-BBD7-CCE9431645EC}">
+              <a14:shadowObscured xmlns:a14="http://schemas.microsoft.com/office/drawing/2010/main"/>
+            </a:ext>
+          </a:extLst>
         </p:spPr>
       </p:pic>
     </p:spTree>
@@ -20365,11 +20381,6 @@
               </a:rPr>
               <a:t>Создание системы «База Знаний ТОГУ» с полнотекстовым поиском на основе лексем естественного языка</a:t>
             </a:r>
-            <a:endParaRPr lang="ru-RU" sz="2000" dirty="0">
-              <a:solidFill>
-                <a:schemeClr val="bg1"/>
-              </a:solidFill>
-            </a:endParaRPr>
           </a:p>
         </p:txBody>
       </p:sp>
